--- a/ppt 16-9/1192.结婚歌.pptx
+++ b/ppt 16-9/1192.结婚歌.pptx
@@ -129,7 +129,7 @@
           <p:cNvPr id="2" name="标题 1">
             <a:extLst>
               <a:ext uri="{FF2B5EF4-FFF2-40B4-BE49-F238E27FC236}">
-                <a16:creationId xmlns:a16="http://schemas.microsoft.com/office/drawing/2014/main" id="{4692FE37-622E-884D-D9EB-5A7E949F101F}"/>
+                <a16:creationId xmlns:a16="http://schemas.microsoft.com/office/drawing/2014/main" id="{AF81A5B8-76F6-11FE-C6D2-1C236A09AAF0}"/>
               </a:ext>
             </a:extLst>
           </p:cNvPr>
@@ -166,7 +166,7 @@
           <p:cNvPr id="3" name="副标题 2">
             <a:extLst>
               <a:ext uri="{FF2B5EF4-FFF2-40B4-BE49-F238E27FC236}">
-                <a16:creationId xmlns:a16="http://schemas.microsoft.com/office/drawing/2014/main" id="{65A0DDDD-27B3-0698-944D-6B65B683729A}"/>
+                <a16:creationId xmlns:a16="http://schemas.microsoft.com/office/drawing/2014/main" id="{B68A08F5-4F72-725D-A5FB-4A35617BC416}"/>
               </a:ext>
             </a:extLst>
           </p:cNvPr>
@@ -236,7 +236,7 @@
           <p:cNvPr id="4" name="日期占位符 3">
             <a:extLst>
               <a:ext uri="{FF2B5EF4-FFF2-40B4-BE49-F238E27FC236}">
-                <a16:creationId xmlns:a16="http://schemas.microsoft.com/office/drawing/2014/main" id="{EF6DA52A-AC0B-BB83-ACDA-7E6D12B926D1}"/>
+                <a16:creationId xmlns:a16="http://schemas.microsoft.com/office/drawing/2014/main" id="{98A24B9E-DFD1-CA95-6B5A-E1EF89FA28F5}"/>
               </a:ext>
             </a:extLst>
           </p:cNvPr>
@@ -252,7 +252,7 @@
           <a:bodyPr/>
           <a:lstStyle/>
           <a:p>
-            <a:fld id="{C9AFFE99-C65E-4F01-BBF4-0DE60AD06A7C}" type="datetimeFigureOut">
+            <a:fld id="{F17234FE-97BB-4A4F-A9D4-87FD88D4CDD0}" type="datetimeFigureOut">
               <a:rPr lang="zh-CN" altLang="en-US" smtClean="0"/>
               <a:t>2024/3/10</a:t>
             </a:fld>
@@ -265,7 +265,7 @@
           <p:cNvPr id="5" name="页脚占位符 4">
             <a:extLst>
               <a:ext uri="{FF2B5EF4-FFF2-40B4-BE49-F238E27FC236}">
-                <a16:creationId xmlns:a16="http://schemas.microsoft.com/office/drawing/2014/main" id="{52864A69-2443-4321-B873-8F0CD3FBFF3D}"/>
+                <a16:creationId xmlns:a16="http://schemas.microsoft.com/office/drawing/2014/main" id="{2D0407C1-9191-A660-DA0E-834B28B2DEB7}"/>
               </a:ext>
             </a:extLst>
           </p:cNvPr>
@@ -290,7 +290,7 @@
           <p:cNvPr id="6" name="灯片编号占位符 5">
             <a:extLst>
               <a:ext uri="{FF2B5EF4-FFF2-40B4-BE49-F238E27FC236}">
-                <a16:creationId xmlns:a16="http://schemas.microsoft.com/office/drawing/2014/main" id="{E73BBDA5-0691-A9B0-3137-37E095A7C434}"/>
+                <a16:creationId xmlns:a16="http://schemas.microsoft.com/office/drawing/2014/main" id="{67DD4D50-CEA8-937C-394C-1588AEE5559C}"/>
               </a:ext>
             </a:extLst>
           </p:cNvPr>
@@ -306,7 +306,7 @@
           <a:bodyPr/>
           <a:lstStyle/>
           <a:p>
-            <a:fld id="{9764200A-997F-4DFA-9B33-58961BFBFBEC}" type="slidenum">
+            <a:fld id="{F5568968-3461-4AB1-810A-3D02D594EA11}" type="slidenum">
               <a:rPr lang="zh-CN" altLang="en-US" smtClean="0"/>
               <a:t>‹#›</a:t>
             </a:fld>
@@ -317,7 +317,7 @@
     </p:spTree>
     <p:extLst>
       <p:ext uri="{BB962C8B-B14F-4D97-AF65-F5344CB8AC3E}">
-        <p14:creationId xmlns:p14="http://schemas.microsoft.com/office/powerpoint/2010/main" val="796103353"/>
+        <p14:creationId xmlns:p14="http://schemas.microsoft.com/office/powerpoint/2010/main" val="2039670447"/>
       </p:ext>
     </p:extLst>
   </p:cSld>
@@ -349,7 +349,7 @@
           <p:cNvPr id="2" name="标题 1">
             <a:extLst>
               <a:ext uri="{FF2B5EF4-FFF2-40B4-BE49-F238E27FC236}">
-                <a16:creationId xmlns:a16="http://schemas.microsoft.com/office/drawing/2014/main" id="{994138A0-DA99-CF5F-30C2-319623AB68D5}"/>
+                <a16:creationId xmlns:a16="http://schemas.microsoft.com/office/drawing/2014/main" id="{970184D7-8C6F-4951-7B6E-54D9F253F561}"/>
               </a:ext>
             </a:extLst>
           </p:cNvPr>
@@ -377,7 +377,7 @@
           <p:cNvPr id="3" name="竖排文字占位符 2">
             <a:extLst>
               <a:ext uri="{FF2B5EF4-FFF2-40B4-BE49-F238E27FC236}">
-                <a16:creationId xmlns:a16="http://schemas.microsoft.com/office/drawing/2014/main" id="{ED9C9B5B-6D7D-918C-DF32-97EC280EED2E}"/>
+                <a16:creationId xmlns:a16="http://schemas.microsoft.com/office/drawing/2014/main" id="{FDACFC12-0472-672B-9013-C93139DD8E3F}"/>
               </a:ext>
             </a:extLst>
           </p:cNvPr>
@@ -434,7 +434,7 @@
           <p:cNvPr id="4" name="日期占位符 3">
             <a:extLst>
               <a:ext uri="{FF2B5EF4-FFF2-40B4-BE49-F238E27FC236}">
-                <a16:creationId xmlns:a16="http://schemas.microsoft.com/office/drawing/2014/main" id="{0DBE440E-9153-14C6-FA48-50E8B7478C2E}"/>
+                <a16:creationId xmlns:a16="http://schemas.microsoft.com/office/drawing/2014/main" id="{0CC0BAF5-BCF9-0836-D265-6A58144E8B44}"/>
               </a:ext>
             </a:extLst>
           </p:cNvPr>
@@ -450,7 +450,7 @@
           <a:bodyPr/>
           <a:lstStyle/>
           <a:p>
-            <a:fld id="{C9AFFE99-C65E-4F01-BBF4-0DE60AD06A7C}" type="datetimeFigureOut">
+            <a:fld id="{F17234FE-97BB-4A4F-A9D4-87FD88D4CDD0}" type="datetimeFigureOut">
               <a:rPr lang="zh-CN" altLang="en-US" smtClean="0"/>
               <a:t>2024/3/10</a:t>
             </a:fld>
@@ -463,7 +463,7 @@
           <p:cNvPr id="5" name="页脚占位符 4">
             <a:extLst>
               <a:ext uri="{FF2B5EF4-FFF2-40B4-BE49-F238E27FC236}">
-                <a16:creationId xmlns:a16="http://schemas.microsoft.com/office/drawing/2014/main" id="{928F3AEE-1BE2-8369-2265-8921F4104101}"/>
+                <a16:creationId xmlns:a16="http://schemas.microsoft.com/office/drawing/2014/main" id="{51B254DE-74AD-8A1F-C2FF-E4E52F896816}"/>
               </a:ext>
             </a:extLst>
           </p:cNvPr>
@@ -488,7 +488,7 @@
           <p:cNvPr id="6" name="灯片编号占位符 5">
             <a:extLst>
               <a:ext uri="{FF2B5EF4-FFF2-40B4-BE49-F238E27FC236}">
-                <a16:creationId xmlns:a16="http://schemas.microsoft.com/office/drawing/2014/main" id="{2B3C30E1-8569-1802-BA73-072DD82DD962}"/>
+                <a16:creationId xmlns:a16="http://schemas.microsoft.com/office/drawing/2014/main" id="{02D7D904-9769-C56A-4BE9-FEF050745FFE}"/>
               </a:ext>
             </a:extLst>
           </p:cNvPr>
@@ -504,7 +504,7 @@
           <a:bodyPr/>
           <a:lstStyle/>
           <a:p>
-            <a:fld id="{9764200A-997F-4DFA-9B33-58961BFBFBEC}" type="slidenum">
+            <a:fld id="{F5568968-3461-4AB1-810A-3D02D594EA11}" type="slidenum">
               <a:rPr lang="zh-CN" altLang="en-US" smtClean="0"/>
               <a:t>‹#›</a:t>
             </a:fld>
@@ -515,7 +515,7 @@
     </p:spTree>
     <p:extLst>
       <p:ext uri="{BB962C8B-B14F-4D97-AF65-F5344CB8AC3E}">
-        <p14:creationId xmlns:p14="http://schemas.microsoft.com/office/powerpoint/2010/main" val="2108443313"/>
+        <p14:creationId xmlns:p14="http://schemas.microsoft.com/office/powerpoint/2010/main" val="4264527045"/>
       </p:ext>
     </p:extLst>
   </p:cSld>
@@ -547,7 +547,7 @@
           <p:cNvPr id="2" name="竖排标题 1">
             <a:extLst>
               <a:ext uri="{FF2B5EF4-FFF2-40B4-BE49-F238E27FC236}">
-                <a16:creationId xmlns:a16="http://schemas.microsoft.com/office/drawing/2014/main" id="{EB9D11AB-A9FF-800F-8C76-764891363788}"/>
+                <a16:creationId xmlns:a16="http://schemas.microsoft.com/office/drawing/2014/main" id="{87FDEF84-38C5-A468-4FFC-7AF81B008372}"/>
               </a:ext>
             </a:extLst>
           </p:cNvPr>
@@ -580,7 +580,7 @@
           <p:cNvPr id="3" name="竖排文字占位符 2">
             <a:extLst>
               <a:ext uri="{FF2B5EF4-FFF2-40B4-BE49-F238E27FC236}">
-                <a16:creationId xmlns:a16="http://schemas.microsoft.com/office/drawing/2014/main" id="{8251419E-C234-9604-F362-3341F74AEC85}"/>
+                <a16:creationId xmlns:a16="http://schemas.microsoft.com/office/drawing/2014/main" id="{B60F6171-9DA7-3515-AF42-1433DBFAAC70}"/>
               </a:ext>
             </a:extLst>
           </p:cNvPr>
@@ -642,7 +642,7 @@
           <p:cNvPr id="4" name="日期占位符 3">
             <a:extLst>
               <a:ext uri="{FF2B5EF4-FFF2-40B4-BE49-F238E27FC236}">
-                <a16:creationId xmlns:a16="http://schemas.microsoft.com/office/drawing/2014/main" id="{2BD579D4-0DFA-1FB1-1326-5CF49CBEFD0A}"/>
+                <a16:creationId xmlns:a16="http://schemas.microsoft.com/office/drawing/2014/main" id="{DA9CC908-75F8-C9A9-F9C6-7D2F312109BA}"/>
               </a:ext>
             </a:extLst>
           </p:cNvPr>
@@ -658,7 +658,7 @@
           <a:bodyPr/>
           <a:lstStyle/>
           <a:p>
-            <a:fld id="{C9AFFE99-C65E-4F01-BBF4-0DE60AD06A7C}" type="datetimeFigureOut">
+            <a:fld id="{F17234FE-97BB-4A4F-A9D4-87FD88D4CDD0}" type="datetimeFigureOut">
               <a:rPr lang="zh-CN" altLang="en-US" smtClean="0"/>
               <a:t>2024/3/10</a:t>
             </a:fld>
@@ -671,7 +671,7 @@
           <p:cNvPr id="5" name="页脚占位符 4">
             <a:extLst>
               <a:ext uri="{FF2B5EF4-FFF2-40B4-BE49-F238E27FC236}">
-                <a16:creationId xmlns:a16="http://schemas.microsoft.com/office/drawing/2014/main" id="{4AC67640-62FF-4DF2-F68E-1B2C1A33D980}"/>
+                <a16:creationId xmlns:a16="http://schemas.microsoft.com/office/drawing/2014/main" id="{D5D95702-0009-A4A4-17CD-25F1AE04FE23}"/>
               </a:ext>
             </a:extLst>
           </p:cNvPr>
@@ -696,7 +696,7 @@
           <p:cNvPr id="6" name="灯片编号占位符 5">
             <a:extLst>
               <a:ext uri="{FF2B5EF4-FFF2-40B4-BE49-F238E27FC236}">
-                <a16:creationId xmlns:a16="http://schemas.microsoft.com/office/drawing/2014/main" id="{2AF3A85E-60C3-1430-8E45-087C4A6329D9}"/>
+                <a16:creationId xmlns:a16="http://schemas.microsoft.com/office/drawing/2014/main" id="{E1C93E5B-012B-88F9-B88C-CCD8ED085680}"/>
               </a:ext>
             </a:extLst>
           </p:cNvPr>
@@ -712,7 +712,7 @@
           <a:bodyPr/>
           <a:lstStyle/>
           <a:p>
-            <a:fld id="{9764200A-997F-4DFA-9B33-58961BFBFBEC}" type="slidenum">
+            <a:fld id="{F5568968-3461-4AB1-810A-3D02D594EA11}" type="slidenum">
               <a:rPr lang="zh-CN" altLang="en-US" smtClean="0"/>
               <a:t>‹#›</a:t>
             </a:fld>
@@ -723,7 +723,7 @@
     </p:spTree>
     <p:extLst>
       <p:ext uri="{BB962C8B-B14F-4D97-AF65-F5344CB8AC3E}">
-        <p14:creationId xmlns:p14="http://schemas.microsoft.com/office/powerpoint/2010/main" val="2833407403"/>
+        <p14:creationId xmlns:p14="http://schemas.microsoft.com/office/powerpoint/2010/main" val="2785903876"/>
       </p:ext>
     </p:extLst>
   </p:cSld>
@@ -755,7 +755,7 @@
           <p:cNvPr id="2" name="标题 1">
             <a:extLst>
               <a:ext uri="{FF2B5EF4-FFF2-40B4-BE49-F238E27FC236}">
-                <a16:creationId xmlns:a16="http://schemas.microsoft.com/office/drawing/2014/main" id="{861A7F30-0684-4AFE-E2E0-3BC288AACAD6}"/>
+                <a16:creationId xmlns:a16="http://schemas.microsoft.com/office/drawing/2014/main" id="{3E7CAB73-F40E-5A41-9F28-53E81BF9A03F}"/>
               </a:ext>
             </a:extLst>
           </p:cNvPr>
@@ -783,7 +783,7 @@
           <p:cNvPr id="3" name="内容占位符 2">
             <a:extLst>
               <a:ext uri="{FF2B5EF4-FFF2-40B4-BE49-F238E27FC236}">
-                <a16:creationId xmlns:a16="http://schemas.microsoft.com/office/drawing/2014/main" id="{A76D7DAC-59B1-7E64-E653-028434084366}"/>
+                <a16:creationId xmlns:a16="http://schemas.microsoft.com/office/drawing/2014/main" id="{5FA80F18-A59E-F2B0-F1C3-9B8DF36E422F}"/>
               </a:ext>
             </a:extLst>
           </p:cNvPr>
@@ -840,7 +840,7 @@
           <p:cNvPr id="4" name="日期占位符 3">
             <a:extLst>
               <a:ext uri="{FF2B5EF4-FFF2-40B4-BE49-F238E27FC236}">
-                <a16:creationId xmlns:a16="http://schemas.microsoft.com/office/drawing/2014/main" id="{98479B8F-A55A-4762-22E1-BA59022C04D4}"/>
+                <a16:creationId xmlns:a16="http://schemas.microsoft.com/office/drawing/2014/main" id="{D597DE13-0F1B-7452-3BEB-E1175EA233B6}"/>
               </a:ext>
             </a:extLst>
           </p:cNvPr>
@@ -856,7 +856,7 @@
           <a:bodyPr/>
           <a:lstStyle/>
           <a:p>
-            <a:fld id="{C9AFFE99-C65E-4F01-BBF4-0DE60AD06A7C}" type="datetimeFigureOut">
+            <a:fld id="{F17234FE-97BB-4A4F-A9D4-87FD88D4CDD0}" type="datetimeFigureOut">
               <a:rPr lang="zh-CN" altLang="en-US" smtClean="0"/>
               <a:t>2024/3/10</a:t>
             </a:fld>
@@ -869,7 +869,7 @@
           <p:cNvPr id="5" name="页脚占位符 4">
             <a:extLst>
               <a:ext uri="{FF2B5EF4-FFF2-40B4-BE49-F238E27FC236}">
-                <a16:creationId xmlns:a16="http://schemas.microsoft.com/office/drawing/2014/main" id="{F5D76846-D4F2-6AA8-477F-E11B953F9C17}"/>
+                <a16:creationId xmlns:a16="http://schemas.microsoft.com/office/drawing/2014/main" id="{C553D9DC-3A74-F6B7-A7EB-134F7CAB8BAA}"/>
               </a:ext>
             </a:extLst>
           </p:cNvPr>
@@ -894,7 +894,7 @@
           <p:cNvPr id="6" name="灯片编号占位符 5">
             <a:extLst>
               <a:ext uri="{FF2B5EF4-FFF2-40B4-BE49-F238E27FC236}">
-                <a16:creationId xmlns:a16="http://schemas.microsoft.com/office/drawing/2014/main" id="{706CEF57-DCF6-E158-0AAE-AFC5DCB7BC29}"/>
+                <a16:creationId xmlns:a16="http://schemas.microsoft.com/office/drawing/2014/main" id="{538B9A99-BD77-5013-BC70-92C0E2C6A68A}"/>
               </a:ext>
             </a:extLst>
           </p:cNvPr>
@@ -910,7 +910,7 @@
           <a:bodyPr/>
           <a:lstStyle/>
           <a:p>
-            <a:fld id="{9764200A-997F-4DFA-9B33-58961BFBFBEC}" type="slidenum">
+            <a:fld id="{F5568968-3461-4AB1-810A-3D02D594EA11}" type="slidenum">
               <a:rPr lang="zh-CN" altLang="en-US" smtClean="0"/>
               <a:t>‹#›</a:t>
             </a:fld>
@@ -921,7 +921,7 @@
     </p:spTree>
     <p:extLst>
       <p:ext uri="{BB962C8B-B14F-4D97-AF65-F5344CB8AC3E}">
-        <p14:creationId xmlns:p14="http://schemas.microsoft.com/office/powerpoint/2010/main" val="2365665562"/>
+        <p14:creationId xmlns:p14="http://schemas.microsoft.com/office/powerpoint/2010/main" val="1334192313"/>
       </p:ext>
     </p:extLst>
   </p:cSld>
@@ -953,7 +953,7 @@
           <p:cNvPr id="2" name="标题 1">
             <a:extLst>
               <a:ext uri="{FF2B5EF4-FFF2-40B4-BE49-F238E27FC236}">
-                <a16:creationId xmlns:a16="http://schemas.microsoft.com/office/drawing/2014/main" id="{D3963686-1CC4-010A-6685-50115AF93D26}"/>
+                <a16:creationId xmlns:a16="http://schemas.microsoft.com/office/drawing/2014/main" id="{1B9167DE-3D9C-F495-8FF4-FEB7E2643C45}"/>
               </a:ext>
             </a:extLst>
           </p:cNvPr>
@@ -990,7 +990,7 @@
           <p:cNvPr id="3" name="文本占位符 2">
             <a:extLst>
               <a:ext uri="{FF2B5EF4-FFF2-40B4-BE49-F238E27FC236}">
-                <a16:creationId xmlns:a16="http://schemas.microsoft.com/office/drawing/2014/main" id="{9468E2BB-D89B-FAA0-4EA8-EFA6151C6EC1}"/>
+                <a16:creationId xmlns:a16="http://schemas.microsoft.com/office/drawing/2014/main" id="{E92FA3E8-1BE7-16FF-E70C-3E0C18AEA7F8}"/>
               </a:ext>
             </a:extLst>
           </p:cNvPr>
@@ -1115,7 +1115,7 @@
           <p:cNvPr id="4" name="日期占位符 3">
             <a:extLst>
               <a:ext uri="{FF2B5EF4-FFF2-40B4-BE49-F238E27FC236}">
-                <a16:creationId xmlns:a16="http://schemas.microsoft.com/office/drawing/2014/main" id="{D1010094-EDDA-1819-A9C3-FF4734EFAB46}"/>
+                <a16:creationId xmlns:a16="http://schemas.microsoft.com/office/drawing/2014/main" id="{F95CF6EB-404B-B51C-2CC8-95D0A45A26C3}"/>
               </a:ext>
             </a:extLst>
           </p:cNvPr>
@@ -1131,7 +1131,7 @@
           <a:bodyPr/>
           <a:lstStyle/>
           <a:p>
-            <a:fld id="{C9AFFE99-C65E-4F01-BBF4-0DE60AD06A7C}" type="datetimeFigureOut">
+            <a:fld id="{F17234FE-97BB-4A4F-A9D4-87FD88D4CDD0}" type="datetimeFigureOut">
               <a:rPr lang="zh-CN" altLang="en-US" smtClean="0"/>
               <a:t>2024/3/10</a:t>
             </a:fld>
@@ -1144,7 +1144,7 @@
           <p:cNvPr id="5" name="页脚占位符 4">
             <a:extLst>
               <a:ext uri="{FF2B5EF4-FFF2-40B4-BE49-F238E27FC236}">
-                <a16:creationId xmlns:a16="http://schemas.microsoft.com/office/drawing/2014/main" id="{28C3FC26-B47C-4E4A-645C-317D1D640DE3}"/>
+                <a16:creationId xmlns:a16="http://schemas.microsoft.com/office/drawing/2014/main" id="{594A3EEF-3069-1DD9-E703-822EB6C9D8DB}"/>
               </a:ext>
             </a:extLst>
           </p:cNvPr>
@@ -1169,7 +1169,7 @@
           <p:cNvPr id="6" name="灯片编号占位符 5">
             <a:extLst>
               <a:ext uri="{FF2B5EF4-FFF2-40B4-BE49-F238E27FC236}">
-                <a16:creationId xmlns:a16="http://schemas.microsoft.com/office/drawing/2014/main" id="{59D90A11-F037-D040-EF11-7D514670C3E9}"/>
+                <a16:creationId xmlns:a16="http://schemas.microsoft.com/office/drawing/2014/main" id="{761182CE-5C8B-0707-2267-488E2CD9C34E}"/>
               </a:ext>
             </a:extLst>
           </p:cNvPr>
@@ -1185,7 +1185,7 @@
           <a:bodyPr/>
           <a:lstStyle/>
           <a:p>
-            <a:fld id="{9764200A-997F-4DFA-9B33-58961BFBFBEC}" type="slidenum">
+            <a:fld id="{F5568968-3461-4AB1-810A-3D02D594EA11}" type="slidenum">
               <a:rPr lang="zh-CN" altLang="en-US" smtClean="0"/>
               <a:t>‹#›</a:t>
             </a:fld>
@@ -1196,7 +1196,7 @@
     </p:spTree>
     <p:extLst>
       <p:ext uri="{BB962C8B-B14F-4D97-AF65-F5344CB8AC3E}">
-        <p14:creationId xmlns:p14="http://schemas.microsoft.com/office/powerpoint/2010/main" val="2062655974"/>
+        <p14:creationId xmlns:p14="http://schemas.microsoft.com/office/powerpoint/2010/main" val="4114290908"/>
       </p:ext>
     </p:extLst>
   </p:cSld>
@@ -1228,7 +1228,7 @@
           <p:cNvPr id="2" name="标题 1">
             <a:extLst>
               <a:ext uri="{FF2B5EF4-FFF2-40B4-BE49-F238E27FC236}">
-                <a16:creationId xmlns:a16="http://schemas.microsoft.com/office/drawing/2014/main" id="{D6D62450-0739-310A-BA80-921182D479BD}"/>
+                <a16:creationId xmlns:a16="http://schemas.microsoft.com/office/drawing/2014/main" id="{A575F4BA-3B83-352A-20B2-61D5F72E5F06}"/>
               </a:ext>
             </a:extLst>
           </p:cNvPr>
@@ -1256,7 +1256,7 @@
           <p:cNvPr id="3" name="内容占位符 2">
             <a:extLst>
               <a:ext uri="{FF2B5EF4-FFF2-40B4-BE49-F238E27FC236}">
-                <a16:creationId xmlns:a16="http://schemas.microsoft.com/office/drawing/2014/main" id="{EB1205CE-82D4-3462-4A8F-91BCA46241DE}"/>
+                <a16:creationId xmlns:a16="http://schemas.microsoft.com/office/drawing/2014/main" id="{988D4667-9EE3-1FD9-FE9C-A2C689FB92A7}"/>
               </a:ext>
             </a:extLst>
           </p:cNvPr>
@@ -1318,7 +1318,7 @@
           <p:cNvPr id="4" name="内容占位符 3">
             <a:extLst>
               <a:ext uri="{FF2B5EF4-FFF2-40B4-BE49-F238E27FC236}">
-                <a16:creationId xmlns:a16="http://schemas.microsoft.com/office/drawing/2014/main" id="{695496D5-3A1E-0211-FFBF-EB8AF27DF98D}"/>
+                <a16:creationId xmlns:a16="http://schemas.microsoft.com/office/drawing/2014/main" id="{849A6C7F-77F8-2C08-288E-9A4AEDF9E457}"/>
               </a:ext>
             </a:extLst>
           </p:cNvPr>
@@ -1380,7 +1380,7 @@
           <p:cNvPr id="5" name="日期占位符 4">
             <a:extLst>
               <a:ext uri="{FF2B5EF4-FFF2-40B4-BE49-F238E27FC236}">
-                <a16:creationId xmlns:a16="http://schemas.microsoft.com/office/drawing/2014/main" id="{480A4F61-5CDD-0392-18A5-647832E7A8B2}"/>
+                <a16:creationId xmlns:a16="http://schemas.microsoft.com/office/drawing/2014/main" id="{B5DCB003-B460-300F-ADB2-F02DE6303E89}"/>
               </a:ext>
             </a:extLst>
           </p:cNvPr>
@@ -1396,7 +1396,7 @@
           <a:bodyPr/>
           <a:lstStyle/>
           <a:p>
-            <a:fld id="{C9AFFE99-C65E-4F01-BBF4-0DE60AD06A7C}" type="datetimeFigureOut">
+            <a:fld id="{F17234FE-97BB-4A4F-A9D4-87FD88D4CDD0}" type="datetimeFigureOut">
               <a:rPr lang="zh-CN" altLang="en-US" smtClean="0"/>
               <a:t>2024/3/10</a:t>
             </a:fld>
@@ -1409,7 +1409,7 @@
           <p:cNvPr id="6" name="页脚占位符 5">
             <a:extLst>
               <a:ext uri="{FF2B5EF4-FFF2-40B4-BE49-F238E27FC236}">
-                <a16:creationId xmlns:a16="http://schemas.microsoft.com/office/drawing/2014/main" id="{4FC06661-3D15-AC55-A5A5-F663B52EF754}"/>
+                <a16:creationId xmlns:a16="http://schemas.microsoft.com/office/drawing/2014/main" id="{ECBFC25A-9849-1D15-B2E0-05F35AFCD046}"/>
               </a:ext>
             </a:extLst>
           </p:cNvPr>
@@ -1434,7 +1434,7 @@
           <p:cNvPr id="7" name="灯片编号占位符 6">
             <a:extLst>
               <a:ext uri="{FF2B5EF4-FFF2-40B4-BE49-F238E27FC236}">
-                <a16:creationId xmlns:a16="http://schemas.microsoft.com/office/drawing/2014/main" id="{24BC5DF2-B507-6CF6-9FAB-DA307E68FDCD}"/>
+                <a16:creationId xmlns:a16="http://schemas.microsoft.com/office/drawing/2014/main" id="{12AC3460-3942-4303-4C88-DC3B20596DB8}"/>
               </a:ext>
             </a:extLst>
           </p:cNvPr>
@@ -1450,7 +1450,7 @@
           <a:bodyPr/>
           <a:lstStyle/>
           <a:p>
-            <a:fld id="{9764200A-997F-4DFA-9B33-58961BFBFBEC}" type="slidenum">
+            <a:fld id="{F5568968-3461-4AB1-810A-3D02D594EA11}" type="slidenum">
               <a:rPr lang="zh-CN" altLang="en-US" smtClean="0"/>
               <a:t>‹#›</a:t>
             </a:fld>
@@ -1461,7 +1461,7 @@
     </p:spTree>
     <p:extLst>
       <p:ext uri="{BB962C8B-B14F-4D97-AF65-F5344CB8AC3E}">
-        <p14:creationId xmlns:p14="http://schemas.microsoft.com/office/powerpoint/2010/main" val="3773663614"/>
+        <p14:creationId xmlns:p14="http://schemas.microsoft.com/office/powerpoint/2010/main" val="3968571404"/>
       </p:ext>
     </p:extLst>
   </p:cSld>
@@ -1493,7 +1493,7 @@
           <p:cNvPr id="2" name="标题 1">
             <a:extLst>
               <a:ext uri="{FF2B5EF4-FFF2-40B4-BE49-F238E27FC236}">
-                <a16:creationId xmlns:a16="http://schemas.microsoft.com/office/drawing/2014/main" id="{E231ABAA-9392-DF4A-5ECE-42FBE11919EC}"/>
+                <a16:creationId xmlns:a16="http://schemas.microsoft.com/office/drawing/2014/main" id="{411BC8C3-8152-CF1F-BAC2-C550C450FF01}"/>
               </a:ext>
             </a:extLst>
           </p:cNvPr>
@@ -1526,7 +1526,7 @@
           <p:cNvPr id="3" name="文本占位符 2">
             <a:extLst>
               <a:ext uri="{FF2B5EF4-FFF2-40B4-BE49-F238E27FC236}">
-                <a16:creationId xmlns:a16="http://schemas.microsoft.com/office/drawing/2014/main" id="{32D313B7-FA66-01EE-8C11-8B8120699999}"/>
+                <a16:creationId xmlns:a16="http://schemas.microsoft.com/office/drawing/2014/main" id="{2364B51D-7C6E-09DF-87C9-DE5C2FFBD4ED}"/>
               </a:ext>
             </a:extLst>
           </p:cNvPr>
@@ -1597,7 +1597,7 @@
           <p:cNvPr id="4" name="内容占位符 3">
             <a:extLst>
               <a:ext uri="{FF2B5EF4-FFF2-40B4-BE49-F238E27FC236}">
-                <a16:creationId xmlns:a16="http://schemas.microsoft.com/office/drawing/2014/main" id="{F68F4D03-A356-3861-BCEA-6A8D67B58F0C}"/>
+                <a16:creationId xmlns:a16="http://schemas.microsoft.com/office/drawing/2014/main" id="{2BE0AC99-23CE-B289-5C67-D1A18EEE5A87}"/>
               </a:ext>
             </a:extLst>
           </p:cNvPr>
@@ -1659,7 +1659,7 @@
           <p:cNvPr id="5" name="文本占位符 4">
             <a:extLst>
               <a:ext uri="{FF2B5EF4-FFF2-40B4-BE49-F238E27FC236}">
-                <a16:creationId xmlns:a16="http://schemas.microsoft.com/office/drawing/2014/main" id="{EA69DC8C-F063-F613-5A1B-D6506671973E}"/>
+                <a16:creationId xmlns:a16="http://schemas.microsoft.com/office/drawing/2014/main" id="{D419B1E0-6C73-67CC-2C19-EFE06F3CC7F5}"/>
               </a:ext>
             </a:extLst>
           </p:cNvPr>
@@ -1730,7 +1730,7 @@
           <p:cNvPr id="6" name="内容占位符 5">
             <a:extLst>
               <a:ext uri="{FF2B5EF4-FFF2-40B4-BE49-F238E27FC236}">
-                <a16:creationId xmlns:a16="http://schemas.microsoft.com/office/drawing/2014/main" id="{DBAF227A-CD4D-111A-46EA-E4290E44F8DB}"/>
+                <a16:creationId xmlns:a16="http://schemas.microsoft.com/office/drawing/2014/main" id="{59609727-666C-F220-6ED2-6A5847E32642}"/>
               </a:ext>
             </a:extLst>
           </p:cNvPr>
@@ -1792,7 +1792,7 @@
           <p:cNvPr id="7" name="日期占位符 6">
             <a:extLst>
               <a:ext uri="{FF2B5EF4-FFF2-40B4-BE49-F238E27FC236}">
-                <a16:creationId xmlns:a16="http://schemas.microsoft.com/office/drawing/2014/main" id="{A6DB8FB3-FDB8-3406-1B26-AF7526FD7165}"/>
+                <a16:creationId xmlns:a16="http://schemas.microsoft.com/office/drawing/2014/main" id="{58E6EE0A-ECBC-AA8F-15F5-FE8F228FE240}"/>
               </a:ext>
             </a:extLst>
           </p:cNvPr>
@@ -1808,7 +1808,7 @@
           <a:bodyPr/>
           <a:lstStyle/>
           <a:p>
-            <a:fld id="{C9AFFE99-C65E-4F01-BBF4-0DE60AD06A7C}" type="datetimeFigureOut">
+            <a:fld id="{F17234FE-97BB-4A4F-A9D4-87FD88D4CDD0}" type="datetimeFigureOut">
               <a:rPr lang="zh-CN" altLang="en-US" smtClean="0"/>
               <a:t>2024/3/10</a:t>
             </a:fld>
@@ -1821,7 +1821,7 @@
           <p:cNvPr id="8" name="页脚占位符 7">
             <a:extLst>
               <a:ext uri="{FF2B5EF4-FFF2-40B4-BE49-F238E27FC236}">
-                <a16:creationId xmlns:a16="http://schemas.microsoft.com/office/drawing/2014/main" id="{8D78BD55-10E6-4C1D-D2C3-81E03CDBA4BB}"/>
+                <a16:creationId xmlns:a16="http://schemas.microsoft.com/office/drawing/2014/main" id="{EB90AE9F-B1D6-6A26-BF64-858A9F4E85AE}"/>
               </a:ext>
             </a:extLst>
           </p:cNvPr>
@@ -1846,7 +1846,7 @@
           <p:cNvPr id="9" name="灯片编号占位符 8">
             <a:extLst>
               <a:ext uri="{FF2B5EF4-FFF2-40B4-BE49-F238E27FC236}">
-                <a16:creationId xmlns:a16="http://schemas.microsoft.com/office/drawing/2014/main" id="{B7244871-A02B-B495-012A-E8CC40B0567C}"/>
+                <a16:creationId xmlns:a16="http://schemas.microsoft.com/office/drawing/2014/main" id="{B7B60B02-95B4-33D6-49A3-85038A2187BD}"/>
               </a:ext>
             </a:extLst>
           </p:cNvPr>
@@ -1862,7 +1862,7 @@
           <a:bodyPr/>
           <a:lstStyle/>
           <a:p>
-            <a:fld id="{9764200A-997F-4DFA-9B33-58961BFBFBEC}" type="slidenum">
+            <a:fld id="{F5568968-3461-4AB1-810A-3D02D594EA11}" type="slidenum">
               <a:rPr lang="zh-CN" altLang="en-US" smtClean="0"/>
               <a:t>‹#›</a:t>
             </a:fld>
@@ -1873,7 +1873,7 @@
     </p:spTree>
     <p:extLst>
       <p:ext uri="{BB962C8B-B14F-4D97-AF65-F5344CB8AC3E}">
-        <p14:creationId xmlns:p14="http://schemas.microsoft.com/office/powerpoint/2010/main" val="184136149"/>
+        <p14:creationId xmlns:p14="http://schemas.microsoft.com/office/powerpoint/2010/main" val="4275397990"/>
       </p:ext>
     </p:extLst>
   </p:cSld>
@@ -1905,7 +1905,7 @@
           <p:cNvPr id="2" name="标题 1">
             <a:extLst>
               <a:ext uri="{FF2B5EF4-FFF2-40B4-BE49-F238E27FC236}">
-                <a16:creationId xmlns:a16="http://schemas.microsoft.com/office/drawing/2014/main" id="{8DA2007C-59EF-B0A4-5AD5-F87F369774B5}"/>
+                <a16:creationId xmlns:a16="http://schemas.microsoft.com/office/drawing/2014/main" id="{3D4DC695-35FB-BD4F-0201-E85EA180C3EC}"/>
               </a:ext>
             </a:extLst>
           </p:cNvPr>
@@ -1933,7 +1933,7 @@
           <p:cNvPr id="3" name="日期占位符 2">
             <a:extLst>
               <a:ext uri="{FF2B5EF4-FFF2-40B4-BE49-F238E27FC236}">
-                <a16:creationId xmlns:a16="http://schemas.microsoft.com/office/drawing/2014/main" id="{30659E0C-9C86-60C8-9A49-D85F256A84E9}"/>
+                <a16:creationId xmlns:a16="http://schemas.microsoft.com/office/drawing/2014/main" id="{9EFCF1DD-31DF-D16B-1748-BF01878CECCC}"/>
               </a:ext>
             </a:extLst>
           </p:cNvPr>
@@ -1949,7 +1949,7 @@
           <a:bodyPr/>
           <a:lstStyle/>
           <a:p>
-            <a:fld id="{C9AFFE99-C65E-4F01-BBF4-0DE60AD06A7C}" type="datetimeFigureOut">
+            <a:fld id="{F17234FE-97BB-4A4F-A9D4-87FD88D4CDD0}" type="datetimeFigureOut">
               <a:rPr lang="zh-CN" altLang="en-US" smtClean="0"/>
               <a:t>2024/3/10</a:t>
             </a:fld>
@@ -1962,7 +1962,7 @@
           <p:cNvPr id="4" name="页脚占位符 3">
             <a:extLst>
               <a:ext uri="{FF2B5EF4-FFF2-40B4-BE49-F238E27FC236}">
-                <a16:creationId xmlns:a16="http://schemas.microsoft.com/office/drawing/2014/main" id="{362069E1-15F6-CADE-B3A6-A266F84A9B22}"/>
+                <a16:creationId xmlns:a16="http://schemas.microsoft.com/office/drawing/2014/main" id="{61121AF5-7023-623C-D21F-A239D4783E82}"/>
               </a:ext>
             </a:extLst>
           </p:cNvPr>
@@ -1987,7 +1987,7 @@
           <p:cNvPr id="5" name="灯片编号占位符 4">
             <a:extLst>
               <a:ext uri="{FF2B5EF4-FFF2-40B4-BE49-F238E27FC236}">
-                <a16:creationId xmlns:a16="http://schemas.microsoft.com/office/drawing/2014/main" id="{6C8C207A-6C7E-91DF-DACE-55A95F3FAFBD}"/>
+                <a16:creationId xmlns:a16="http://schemas.microsoft.com/office/drawing/2014/main" id="{CC0B62C4-2183-BE86-4F13-92224474D0EB}"/>
               </a:ext>
             </a:extLst>
           </p:cNvPr>
@@ -2003,7 +2003,7 @@
           <a:bodyPr/>
           <a:lstStyle/>
           <a:p>
-            <a:fld id="{9764200A-997F-4DFA-9B33-58961BFBFBEC}" type="slidenum">
+            <a:fld id="{F5568968-3461-4AB1-810A-3D02D594EA11}" type="slidenum">
               <a:rPr lang="zh-CN" altLang="en-US" smtClean="0"/>
               <a:t>‹#›</a:t>
             </a:fld>
@@ -2014,7 +2014,7 @@
     </p:spTree>
     <p:extLst>
       <p:ext uri="{BB962C8B-B14F-4D97-AF65-F5344CB8AC3E}">
-        <p14:creationId xmlns:p14="http://schemas.microsoft.com/office/powerpoint/2010/main" val="2448296724"/>
+        <p14:creationId xmlns:p14="http://schemas.microsoft.com/office/powerpoint/2010/main" val="2256869574"/>
       </p:ext>
     </p:extLst>
   </p:cSld>
@@ -2046,7 +2046,7 @@
           <p:cNvPr id="2" name="日期占位符 1">
             <a:extLst>
               <a:ext uri="{FF2B5EF4-FFF2-40B4-BE49-F238E27FC236}">
-                <a16:creationId xmlns:a16="http://schemas.microsoft.com/office/drawing/2014/main" id="{638C44C6-DB51-ED66-74F8-CAFB47AD712B}"/>
+                <a16:creationId xmlns:a16="http://schemas.microsoft.com/office/drawing/2014/main" id="{C4E6CA96-4409-D383-920C-58DE796A819B}"/>
               </a:ext>
             </a:extLst>
           </p:cNvPr>
@@ -2062,7 +2062,7 @@
           <a:bodyPr/>
           <a:lstStyle/>
           <a:p>
-            <a:fld id="{C9AFFE99-C65E-4F01-BBF4-0DE60AD06A7C}" type="datetimeFigureOut">
+            <a:fld id="{F17234FE-97BB-4A4F-A9D4-87FD88D4CDD0}" type="datetimeFigureOut">
               <a:rPr lang="zh-CN" altLang="en-US" smtClean="0"/>
               <a:t>2024/3/10</a:t>
             </a:fld>
@@ -2075,7 +2075,7 @@
           <p:cNvPr id="3" name="页脚占位符 2">
             <a:extLst>
               <a:ext uri="{FF2B5EF4-FFF2-40B4-BE49-F238E27FC236}">
-                <a16:creationId xmlns:a16="http://schemas.microsoft.com/office/drawing/2014/main" id="{477F96FD-AA94-8A50-6EF5-31A9DB4639C6}"/>
+                <a16:creationId xmlns:a16="http://schemas.microsoft.com/office/drawing/2014/main" id="{3B1D05AF-1297-2F58-3915-6DA290DD8D1E}"/>
               </a:ext>
             </a:extLst>
           </p:cNvPr>
@@ -2100,7 +2100,7 @@
           <p:cNvPr id="4" name="灯片编号占位符 3">
             <a:extLst>
               <a:ext uri="{FF2B5EF4-FFF2-40B4-BE49-F238E27FC236}">
-                <a16:creationId xmlns:a16="http://schemas.microsoft.com/office/drawing/2014/main" id="{F7C8CA06-26FF-E619-2EFE-8A84666835CA}"/>
+                <a16:creationId xmlns:a16="http://schemas.microsoft.com/office/drawing/2014/main" id="{8DFC54EB-373B-A099-16A0-70086176F659}"/>
               </a:ext>
             </a:extLst>
           </p:cNvPr>
@@ -2116,7 +2116,7 @@
           <a:bodyPr/>
           <a:lstStyle/>
           <a:p>
-            <a:fld id="{9764200A-997F-4DFA-9B33-58961BFBFBEC}" type="slidenum">
+            <a:fld id="{F5568968-3461-4AB1-810A-3D02D594EA11}" type="slidenum">
               <a:rPr lang="zh-CN" altLang="en-US" smtClean="0"/>
               <a:t>‹#›</a:t>
             </a:fld>
@@ -2127,7 +2127,7 @@
     </p:spTree>
     <p:extLst>
       <p:ext uri="{BB962C8B-B14F-4D97-AF65-F5344CB8AC3E}">
-        <p14:creationId xmlns:p14="http://schemas.microsoft.com/office/powerpoint/2010/main" val="473463874"/>
+        <p14:creationId xmlns:p14="http://schemas.microsoft.com/office/powerpoint/2010/main" val="738201769"/>
       </p:ext>
     </p:extLst>
   </p:cSld>
@@ -2159,7 +2159,7 @@
           <p:cNvPr id="2" name="标题 1">
             <a:extLst>
               <a:ext uri="{FF2B5EF4-FFF2-40B4-BE49-F238E27FC236}">
-                <a16:creationId xmlns:a16="http://schemas.microsoft.com/office/drawing/2014/main" id="{A77EF5AE-CEC8-C5A7-5347-CB31FCEC9D2A}"/>
+                <a16:creationId xmlns:a16="http://schemas.microsoft.com/office/drawing/2014/main" id="{0CD24149-9405-BD12-6D47-3651782C900F}"/>
               </a:ext>
             </a:extLst>
           </p:cNvPr>
@@ -2196,7 +2196,7 @@
           <p:cNvPr id="3" name="内容占位符 2">
             <a:extLst>
               <a:ext uri="{FF2B5EF4-FFF2-40B4-BE49-F238E27FC236}">
-                <a16:creationId xmlns:a16="http://schemas.microsoft.com/office/drawing/2014/main" id="{7684AC21-49DE-FCB4-ABCD-CAB4D03FB2AD}"/>
+                <a16:creationId xmlns:a16="http://schemas.microsoft.com/office/drawing/2014/main" id="{00ADE6AC-10BB-ABAD-87FF-5E9CD156A0C3}"/>
               </a:ext>
             </a:extLst>
           </p:cNvPr>
@@ -2286,7 +2286,7 @@
           <p:cNvPr id="4" name="文本占位符 3">
             <a:extLst>
               <a:ext uri="{FF2B5EF4-FFF2-40B4-BE49-F238E27FC236}">
-                <a16:creationId xmlns:a16="http://schemas.microsoft.com/office/drawing/2014/main" id="{E40A4FEA-BC53-0D74-A541-29E2239A1CDD}"/>
+                <a16:creationId xmlns:a16="http://schemas.microsoft.com/office/drawing/2014/main" id="{E38D2E6C-638E-F5F9-0511-04C0F4E55BAC}"/>
               </a:ext>
             </a:extLst>
           </p:cNvPr>
@@ -2357,7 +2357,7 @@
           <p:cNvPr id="5" name="日期占位符 4">
             <a:extLst>
               <a:ext uri="{FF2B5EF4-FFF2-40B4-BE49-F238E27FC236}">
-                <a16:creationId xmlns:a16="http://schemas.microsoft.com/office/drawing/2014/main" id="{7E62DD17-6C41-A374-45BA-7BDB3F25A78D}"/>
+                <a16:creationId xmlns:a16="http://schemas.microsoft.com/office/drawing/2014/main" id="{86C6518E-C898-D1E2-BCD4-A000A3C90905}"/>
               </a:ext>
             </a:extLst>
           </p:cNvPr>
@@ -2373,7 +2373,7 @@
           <a:bodyPr/>
           <a:lstStyle/>
           <a:p>
-            <a:fld id="{C9AFFE99-C65E-4F01-BBF4-0DE60AD06A7C}" type="datetimeFigureOut">
+            <a:fld id="{F17234FE-97BB-4A4F-A9D4-87FD88D4CDD0}" type="datetimeFigureOut">
               <a:rPr lang="zh-CN" altLang="en-US" smtClean="0"/>
               <a:t>2024/3/10</a:t>
             </a:fld>
@@ -2386,7 +2386,7 @@
           <p:cNvPr id="6" name="页脚占位符 5">
             <a:extLst>
               <a:ext uri="{FF2B5EF4-FFF2-40B4-BE49-F238E27FC236}">
-                <a16:creationId xmlns:a16="http://schemas.microsoft.com/office/drawing/2014/main" id="{ED04F2C7-2B17-0376-30C2-EB209379BCC9}"/>
+                <a16:creationId xmlns:a16="http://schemas.microsoft.com/office/drawing/2014/main" id="{E15BD209-88AE-63E2-C491-76EF71C607BF}"/>
               </a:ext>
             </a:extLst>
           </p:cNvPr>
@@ -2411,7 +2411,7 @@
           <p:cNvPr id="7" name="灯片编号占位符 6">
             <a:extLst>
               <a:ext uri="{FF2B5EF4-FFF2-40B4-BE49-F238E27FC236}">
-                <a16:creationId xmlns:a16="http://schemas.microsoft.com/office/drawing/2014/main" id="{D42D7F1B-1579-2F2A-452C-74BFCD6CE5CD}"/>
+                <a16:creationId xmlns:a16="http://schemas.microsoft.com/office/drawing/2014/main" id="{AD656677-352F-368A-1014-31EEC4398D79}"/>
               </a:ext>
             </a:extLst>
           </p:cNvPr>
@@ -2427,7 +2427,7 @@
           <a:bodyPr/>
           <a:lstStyle/>
           <a:p>
-            <a:fld id="{9764200A-997F-4DFA-9B33-58961BFBFBEC}" type="slidenum">
+            <a:fld id="{F5568968-3461-4AB1-810A-3D02D594EA11}" type="slidenum">
               <a:rPr lang="zh-CN" altLang="en-US" smtClean="0"/>
               <a:t>‹#›</a:t>
             </a:fld>
@@ -2438,7 +2438,7 @@
     </p:spTree>
     <p:extLst>
       <p:ext uri="{BB962C8B-B14F-4D97-AF65-F5344CB8AC3E}">
-        <p14:creationId xmlns:p14="http://schemas.microsoft.com/office/powerpoint/2010/main" val="3463341400"/>
+        <p14:creationId xmlns:p14="http://schemas.microsoft.com/office/powerpoint/2010/main" val="4210651812"/>
       </p:ext>
     </p:extLst>
   </p:cSld>
@@ -2470,7 +2470,7 @@
           <p:cNvPr id="2" name="标题 1">
             <a:extLst>
               <a:ext uri="{FF2B5EF4-FFF2-40B4-BE49-F238E27FC236}">
-                <a16:creationId xmlns:a16="http://schemas.microsoft.com/office/drawing/2014/main" id="{9851B393-2726-954D-6761-E39B3BB29995}"/>
+                <a16:creationId xmlns:a16="http://schemas.microsoft.com/office/drawing/2014/main" id="{AA80FD49-00A9-B47C-2EC5-6D1F2DB266CA}"/>
               </a:ext>
             </a:extLst>
           </p:cNvPr>
@@ -2507,7 +2507,7 @@
           <p:cNvPr id="3" name="图片占位符 2">
             <a:extLst>
               <a:ext uri="{FF2B5EF4-FFF2-40B4-BE49-F238E27FC236}">
-                <a16:creationId xmlns:a16="http://schemas.microsoft.com/office/drawing/2014/main" id="{1108E311-341B-974F-0C23-8F9F33B066AE}"/>
+                <a16:creationId xmlns:a16="http://schemas.microsoft.com/office/drawing/2014/main" id="{2377B7C2-45A1-28B1-8640-48683F10BDAC}"/>
               </a:ext>
             </a:extLst>
           </p:cNvPr>
@@ -2574,7 +2574,7 @@
           <p:cNvPr id="4" name="文本占位符 3">
             <a:extLst>
               <a:ext uri="{FF2B5EF4-FFF2-40B4-BE49-F238E27FC236}">
-                <a16:creationId xmlns:a16="http://schemas.microsoft.com/office/drawing/2014/main" id="{6C31639B-C546-88B8-5E0C-5B3BD38D03AB}"/>
+                <a16:creationId xmlns:a16="http://schemas.microsoft.com/office/drawing/2014/main" id="{560ACB55-F456-FBDC-A3CE-25F7F49D1605}"/>
               </a:ext>
             </a:extLst>
           </p:cNvPr>
@@ -2645,7 +2645,7 @@
           <p:cNvPr id="5" name="日期占位符 4">
             <a:extLst>
               <a:ext uri="{FF2B5EF4-FFF2-40B4-BE49-F238E27FC236}">
-                <a16:creationId xmlns:a16="http://schemas.microsoft.com/office/drawing/2014/main" id="{A0804630-27DD-329F-AC56-58C46FEAE27F}"/>
+                <a16:creationId xmlns:a16="http://schemas.microsoft.com/office/drawing/2014/main" id="{EE255289-C3D3-604A-3693-FB6709075EEB}"/>
               </a:ext>
             </a:extLst>
           </p:cNvPr>
@@ -2661,7 +2661,7 @@
           <a:bodyPr/>
           <a:lstStyle/>
           <a:p>
-            <a:fld id="{C9AFFE99-C65E-4F01-BBF4-0DE60AD06A7C}" type="datetimeFigureOut">
+            <a:fld id="{F17234FE-97BB-4A4F-A9D4-87FD88D4CDD0}" type="datetimeFigureOut">
               <a:rPr lang="zh-CN" altLang="en-US" smtClean="0"/>
               <a:t>2024/3/10</a:t>
             </a:fld>
@@ -2674,7 +2674,7 @@
           <p:cNvPr id="6" name="页脚占位符 5">
             <a:extLst>
               <a:ext uri="{FF2B5EF4-FFF2-40B4-BE49-F238E27FC236}">
-                <a16:creationId xmlns:a16="http://schemas.microsoft.com/office/drawing/2014/main" id="{DFFD7A4F-AA4E-2094-7E82-761B80C77F49}"/>
+                <a16:creationId xmlns:a16="http://schemas.microsoft.com/office/drawing/2014/main" id="{24B1F230-D386-3B6C-822A-402BEB08EB2F}"/>
               </a:ext>
             </a:extLst>
           </p:cNvPr>
@@ -2699,7 +2699,7 @@
           <p:cNvPr id="7" name="灯片编号占位符 6">
             <a:extLst>
               <a:ext uri="{FF2B5EF4-FFF2-40B4-BE49-F238E27FC236}">
-                <a16:creationId xmlns:a16="http://schemas.microsoft.com/office/drawing/2014/main" id="{5C7A75B7-81ED-0D50-FBED-CA35B329900B}"/>
+                <a16:creationId xmlns:a16="http://schemas.microsoft.com/office/drawing/2014/main" id="{31A9DD93-226B-FA30-9D13-7A929F36AA0E}"/>
               </a:ext>
             </a:extLst>
           </p:cNvPr>
@@ -2715,7 +2715,7 @@
           <a:bodyPr/>
           <a:lstStyle/>
           <a:p>
-            <a:fld id="{9764200A-997F-4DFA-9B33-58961BFBFBEC}" type="slidenum">
+            <a:fld id="{F5568968-3461-4AB1-810A-3D02D594EA11}" type="slidenum">
               <a:rPr lang="zh-CN" altLang="en-US" smtClean="0"/>
               <a:t>‹#›</a:t>
             </a:fld>
@@ -2726,7 +2726,7 @@
     </p:spTree>
     <p:extLst>
       <p:ext uri="{BB962C8B-B14F-4D97-AF65-F5344CB8AC3E}">
-        <p14:creationId xmlns:p14="http://schemas.microsoft.com/office/powerpoint/2010/main" val="3490802460"/>
+        <p14:creationId xmlns:p14="http://schemas.microsoft.com/office/powerpoint/2010/main" val="1847139719"/>
       </p:ext>
     </p:extLst>
   </p:cSld>
@@ -2763,7 +2763,7 @@
           <p:cNvPr id="2" name="标题占位符 1">
             <a:extLst>
               <a:ext uri="{FF2B5EF4-FFF2-40B4-BE49-F238E27FC236}">
-                <a16:creationId xmlns:a16="http://schemas.microsoft.com/office/drawing/2014/main" id="{9C93D7EB-4B78-94B6-4C8B-72BC30E46B00}"/>
+                <a16:creationId xmlns:a16="http://schemas.microsoft.com/office/drawing/2014/main" id="{D5735A34-DFE1-BD57-90A7-4847B09CB102}"/>
               </a:ext>
             </a:extLst>
           </p:cNvPr>
@@ -2801,7 +2801,7 @@
           <p:cNvPr id="3" name="文本占位符 2">
             <a:extLst>
               <a:ext uri="{FF2B5EF4-FFF2-40B4-BE49-F238E27FC236}">
-                <a16:creationId xmlns:a16="http://schemas.microsoft.com/office/drawing/2014/main" id="{26FEA996-A504-B811-452B-A2EF547A5C5F}"/>
+                <a16:creationId xmlns:a16="http://schemas.microsoft.com/office/drawing/2014/main" id="{2864A26B-B581-638C-2BA3-310B86C2CABA}"/>
               </a:ext>
             </a:extLst>
           </p:cNvPr>
@@ -2868,7 +2868,7 @@
           <p:cNvPr id="4" name="日期占位符 3">
             <a:extLst>
               <a:ext uri="{FF2B5EF4-FFF2-40B4-BE49-F238E27FC236}">
-                <a16:creationId xmlns:a16="http://schemas.microsoft.com/office/drawing/2014/main" id="{55888364-C4F3-CBFF-3457-D2A65DF72C68}"/>
+                <a16:creationId xmlns:a16="http://schemas.microsoft.com/office/drawing/2014/main" id="{FAB1B350-76AE-91FC-9166-67EB4288520B}"/>
               </a:ext>
             </a:extLst>
           </p:cNvPr>
@@ -2902,7 +2902,7 @@
             </a:lvl1pPr>
           </a:lstStyle>
           <a:p>
-            <a:fld id="{C9AFFE99-C65E-4F01-BBF4-0DE60AD06A7C}" type="datetimeFigureOut">
+            <a:fld id="{F17234FE-97BB-4A4F-A9D4-87FD88D4CDD0}" type="datetimeFigureOut">
               <a:rPr lang="zh-CN" altLang="en-US" smtClean="0"/>
               <a:t>2024/3/10</a:t>
             </a:fld>
@@ -2915,7 +2915,7 @@
           <p:cNvPr id="5" name="页脚占位符 4">
             <a:extLst>
               <a:ext uri="{FF2B5EF4-FFF2-40B4-BE49-F238E27FC236}">
-                <a16:creationId xmlns:a16="http://schemas.microsoft.com/office/drawing/2014/main" id="{1B3E2114-1A73-2756-7048-78F00CE63893}"/>
+                <a16:creationId xmlns:a16="http://schemas.microsoft.com/office/drawing/2014/main" id="{CE8CAFAE-28E4-37D6-3FEA-81C84D4D3513}"/>
               </a:ext>
             </a:extLst>
           </p:cNvPr>
@@ -2958,7 +2958,7 @@
           <p:cNvPr id="6" name="灯片编号占位符 5">
             <a:extLst>
               <a:ext uri="{FF2B5EF4-FFF2-40B4-BE49-F238E27FC236}">
-                <a16:creationId xmlns:a16="http://schemas.microsoft.com/office/drawing/2014/main" id="{975E4BFD-FE84-88E4-4E08-F13F2E6CE854}"/>
+                <a16:creationId xmlns:a16="http://schemas.microsoft.com/office/drawing/2014/main" id="{949A7EB8-48BD-F2EB-FC3B-0A0A61CE2A10}"/>
               </a:ext>
             </a:extLst>
           </p:cNvPr>
@@ -2992,7 +2992,7 @@
             </a:lvl1pPr>
           </a:lstStyle>
           <a:p>
-            <a:fld id="{9764200A-997F-4DFA-9B33-58961BFBFBEC}" type="slidenum">
+            <a:fld id="{F5568968-3461-4AB1-810A-3D02D594EA11}" type="slidenum">
               <a:rPr lang="zh-CN" altLang="en-US" smtClean="0"/>
               <a:t>‹#›</a:t>
             </a:fld>
@@ -3003,7 +3003,7 @@
     </p:spTree>
     <p:extLst>
       <p:ext uri="{BB962C8B-B14F-4D97-AF65-F5344CB8AC3E}">
-        <p14:creationId xmlns:p14="http://schemas.microsoft.com/office/powerpoint/2010/main" val="283944389"/>
+        <p14:creationId xmlns:p14="http://schemas.microsoft.com/office/powerpoint/2010/main" val="2904038389"/>
       </p:ext>
     </p:extLst>
   </p:cSld>
